--- a/3 am/2 العروض التقديمية/1 تصميم عرض تقديمي/cours 12/عرض الدرس.pptx
+++ b/3 am/2 العروض التقديمية/1 تصميم عرض تقديمي/cours 12/عرض الدرس.pptx
@@ -248,7 +248,7 @@
           <a:p>
             <a:fld id="{33E46DBA-FA3B-4C5F-B700-4671668DAB72}" type="datetimeFigureOut">
               <a:rPr lang="fr-FR" smtClean="0"/>
-              <a:t>18/02/2025</a:t>
+              <a:t>18/03/2025</a:t>
             </a:fld>
             <a:endParaRPr lang="fr-FR"/>
           </a:p>
@@ -418,7 +418,7 @@
           <a:p>
             <a:fld id="{33E46DBA-FA3B-4C5F-B700-4671668DAB72}" type="datetimeFigureOut">
               <a:rPr lang="fr-FR" smtClean="0"/>
-              <a:t>18/02/2025</a:t>
+              <a:t>18/03/2025</a:t>
             </a:fld>
             <a:endParaRPr lang="fr-FR"/>
           </a:p>
@@ -598,7 +598,7 @@
           <a:p>
             <a:fld id="{33E46DBA-FA3B-4C5F-B700-4671668DAB72}" type="datetimeFigureOut">
               <a:rPr lang="fr-FR" smtClean="0"/>
-              <a:t>18/02/2025</a:t>
+              <a:t>18/03/2025</a:t>
             </a:fld>
             <a:endParaRPr lang="fr-FR"/>
           </a:p>
@@ -768,7 +768,7 @@
           <a:p>
             <a:fld id="{33E46DBA-FA3B-4C5F-B700-4671668DAB72}" type="datetimeFigureOut">
               <a:rPr lang="fr-FR" smtClean="0"/>
-              <a:t>18/02/2025</a:t>
+              <a:t>18/03/2025</a:t>
             </a:fld>
             <a:endParaRPr lang="fr-FR"/>
           </a:p>
@@ -1014,7 +1014,7 @@
           <a:p>
             <a:fld id="{33E46DBA-FA3B-4C5F-B700-4671668DAB72}" type="datetimeFigureOut">
               <a:rPr lang="fr-FR" smtClean="0"/>
-              <a:t>18/02/2025</a:t>
+              <a:t>18/03/2025</a:t>
             </a:fld>
             <a:endParaRPr lang="fr-FR"/>
           </a:p>
@@ -1246,7 +1246,7 @@
           <a:p>
             <a:fld id="{33E46DBA-FA3B-4C5F-B700-4671668DAB72}" type="datetimeFigureOut">
               <a:rPr lang="fr-FR" smtClean="0"/>
-              <a:t>18/02/2025</a:t>
+              <a:t>18/03/2025</a:t>
             </a:fld>
             <a:endParaRPr lang="fr-FR"/>
           </a:p>
@@ -1613,7 +1613,7 @@
           <a:p>
             <a:fld id="{33E46DBA-FA3B-4C5F-B700-4671668DAB72}" type="datetimeFigureOut">
               <a:rPr lang="fr-FR" smtClean="0"/>
-              <a:t>18/02/2025</a:t>
+              <a:t>18/03/2025</a:t>
             </a:fld>
             <a:endParaRPr lang="fr-FR"/>
           </a:p>
@@ -1731,7 +1731,7 @@
           <a:p>
             <a:fld id="{33E46DBA-FA3B-4C5F-B700-4671668DAB72}" type="datetimeFigureOut">
               <a:rPr lang="fr-FR" smtClean="0"/>
-              <a:t>18/02/2025</a:t>
+              <a:t>18/03/2025</a:t>
             </a:fld>
             <a:endParaRPr lang="fr-FR"/>
           </a:p>
@@ -1826,7 +1826,7 @@
           <a:p>
             <a:fld id="{33E46DBA-FA3B-4C5F-B700-4671668DAB72}" type="datetimeFigureOut">
               <a:rPr lang="fr-FR" smtClean="0"/>
-              <a:t>18/02/2025</a:t>
+              <a:t>18/03/2025</a:t>
             </a:fld>
             <a:endParaRPr lang="fr-FR"/>
           </a:p>
@@ -2103,7 +2103,7 @@
           <a:p>
             <a:fld id="{33E46DBA-FA3B-4C5F-B700-4671668DAB72}" type="datetimeFigureOut">
               <a:rPr lang="fr-FR" smtClean="0"/>
-              <a:t>18/02/2025</a:t>
+              <a:t>18/03/2025</a:t>
             </a:fld>
             <a:endParaRPr lang="fr-FR"/>
           </a:p>
@@ -2356,7 +2356,7 @@
           <a:p>
             <a:fld id="{33E46DBA-FA3B-4C5F-B700-4671668DAB72}" type="datetimeFigureOut">
               <a:rPr lang="fr-FR" smtClean="0"/>
-              <a:t>18/02/2025</a:t>
+              <a:t>18/03/2025</a:t>
             </a:fld>
             <a:endParaRPr lang="fr-FR"/>
           </a:p>
@@ -2569,7 +2569,7 @@
           <a:p>
             <a:fld id="{33E46DBA-FA3B-4C5F-B700-4671668DAB72}" type="datetimeFigureOut">
               <a:rPr lang="fr-FR" smtClean="0"/>
-              <a:t>18/02/2025</a:t>
+              <a:t>18/03/2025</a:t>
             </a:fld>
             <a:endParaRPr lang="fr-FR"/>
           </a:p>
@@ -3018,7 +3018,7 @@
           <p:cNvPr id="6" name="Rectangle : coins arrondis 12">
             <a:extLst>
               <a:ext uri="{FF2B5EF4-FFF2-40B4-BE49-F238E27FC236}">
-                <a16:creationId xmlns:a16="http://schemas.microsoft.com/office/drawing/2014/main" xmlns="" id="{2A52F28A-4066-7F20-F61B-78B99AF33888}"/>
+                <a16:creationId xmlns="" xmlns:a16="http://schemas.microsoft.com/office/drawing/2014/main" id="{2A52F28A-4066-7F20-F61B-78B99AF33888}"/>
               </a:ext>
             </a:extLst>
           </p:cNvPr>
@@ -3190,7 +3190,7 @@
           <p:cNvPr id="6" name="Rectangle : coins arrondis 12">
             <a:extLst>
               <a:ext uri="{FF2B5EF4-FFF2-40B4-BE49-F238E27FC236}">
-                <a16:creationId xmlns:a16="http://schemas.microsoft.com/office/drawing/2014/main" xmlns="" id="{2A52F28A-4066-7F20-F61B-78B99AF33888}"/>
+                <a16:creationId xmlns="" xmlns:a16="http://schemas.microsoft.com/office/drawing/2014/main" id="{2A52F28A-4066-7F20-F61B-78B99AF33888}"/>
               </a:ext>
             </a:extLst>
           </p:cNvPr>
@@ -3331,9 +3331,6 @@
               </a:rPr>
               <a:t> ؟</a:t>
             </a:r>
-            <a:endParaRPr lang="ar-DZ" sz="4000" dirty="0">
-              <a:cs typeface="+mj-cs"/>
-            </a:endParaRPr>
           </a:p>
         </p:txBody>
       </p:sp>
@@ -3382,7 +3379,7 @@
           <p:cNvPr id="11" name="Rectangle 8">
             <a:extLst>
               <a:ext uri="{FF2B5EF4-FFF2-40B4-BE49-F238E27FC236}">
-                <a16:creationId xmlns:a16="http://schemas.microsoft.com/office/drawing/2014/main" xmlns="" id="{31EC9893-997B-FAF1-44A7-86DC576C44E1}"/>
+                <a16:creationId xmlns="" xmlns:a16="http://schemas.microsoft.com/office/drawing/2014/main" id="{31EC9893-997B-FAF1-44A7-86DC576C44E1}"/>
               </a:ext>
             </a:extLst>
           </p:cNvPr>
@@ -3820,7 +3817,7 @@
           <p:cNvPr id="12" name="ZoneTexte 11">
             <a:extLst>
               <a:ext uri="{FF2B5EF4-FFF2-40B4-BE49-F238E27FC236}">
-                <a16:creationId xmlns:a16="http://schemas.microsoft.com/office/drawing/2014/main" xmlns="" id="{0B494AC6-9B2E-422F-B16A-015D6B0BA580}"/>
+                <a16:creationId xmlns="" xmlns:a16="http://schemas.microsoft.com/office/drawing/2014/main" id="{0B494AC6-9B2E-422F-B16A-015D6B0BA580}"/>
               </a:ext>
             </a:extLst>
           </p:cNvPr>
@@ -3879,7 +3876,7 @@
           <p:cNvPr id="13" name="Rectangle 9">
             <a:extLst>
               <a:ext uri="{FF2B5EF4-FFF2-40B4-BE49-F238E27FC236}">
-                <a16:creationId xmlns:a16="http://schemas.microsoft.com/office/drawing/2014/main" xmlns="" id="{894EDA96-9226-5939-95FB-4A21ACC79E4A}"/>
+                <a16:creationId xmlns="" xmlns:a16="http://schemas.microsoft.com/office/drawing/2014/main" id="{894EDA96-9226-5939-95FB-4A21ACC79E4A}"/>
               </a:ext>
             </a:extLst>
           </p:cNvPr>
@@ -3996,7 +3993,7 @@
           <p:cNvPr id="11" name="Rectangle 8">
             <a:extLst>
               <a:ext uri="{FF2B5EF4-FFF2-40B4-BE49-F238E27FC236}">
-                <a16:creationId xmlns:a16="http://schemas.microsoft.com/office/drawing/2014/main" xmlns="" id="{31EC9893-997B-FAF1-44A7-86DC576C44E1}"/>
+                <a16:creationId xmlns="" xmlns:a16="http://schemas.microsoft.com/office/drawing/2014/main" id="{31EC9893-997B-FAF1-44A7-86DC576C44E1}"/>
               </a:ext>
             </a:extLst>
           </p:cNvPr>
@@ -4394,7 +4391,7 @@
           <p:cNvPr id="13" name="Rectangle 9">
             <a:extLst>
               <a:ext uri="{FF2B5EF4-FFF2-40B4-BE49-F238E27FC236}">
-                <a16:creationId xmlns:a16="http://schemas.microsoft.com/office/drawing/2014/main" xmlns="" id="{894EDA96-9226-5939-95FB-4A21ACC79E4A}"/>
+                <a16:creationId xmlns="" xmlns:a16="http://schemas.microsoft.com/office/drawing/2014/main" id="{894EDA96-9226-5939-95FB-4A21ACC79E4A}"/>
               </a:ext>
             </a:extLst>
           </p:cNvPr>
@@ -4932,12 +4929,20 @@
               <a:buChar char="•"/>
             </a:pPr>
             <a:r>
-              <a:rPr lang="fr-FR" sz="3000" dirty="0" err="1">
+              <a:rPr lang="fr-FR" sz="3000" smtClean="0">
                 <a:solidFill>
                   <a:srgbClr val="00B050"/>
                 </a:solidFill>
               </a:rPr>
-              <a:t>Aprés</a:t>
+              <a:t>Après</a:t>
+            </a:r>
+            <a:r>
+              <a:rPr lang="ar-DZ" sz="3000" dirty="0" smtClean="0">
+                <a:solidFill>
+                  <a:srgbClr val="00B050"/>
+                </a:solidFill>
+              </a:rPr>
+              <a:t> </a:t>
             </a:r>
             <a:r>
               <a:rPr lang="ar-DZ" sz="3000" dirty="0">
@@ -4945,7 +4950,7 @@
                   <a:srgbClr val="00B050"/>
                 </a:solidFill>
               </a:rPr>
-              <a:t> : </a:t>
+              <a:t>: </a:t>
             </a:r>
             <a:r>
               <a:rPr lang="ar-DZ" sz="3000" dirty="0" err="1"/>

--- a/3 am/2 العروض التقديمية/1 تصميم عرض تقديمي/cours 12/عرض الدرس.pptx
+++ b/3 am/2 العروض التقديمية/1 تصميم عرض تقديمي/cours 12/عرض الدرس.pptx
@@ -248,7 +248,7 @@
           <a:p>
             <a:fld id="{33E46DBA-FA3B-4C5F-B700-4671668DAB72}" type="datetimeFigureOut">
               <a:rPr lang="fr-FR" smtClean="0"/>
-              <a:t>18/03/2025</a:t>
+              <a:t>08/04/2025</a:t>
             </a:fld>
             <a:endParaRPr lang="fr-FR"/>
           </a:p>
@@ -418,7 +418,7 @@
           <a:p>
             <a:fld id="{33E46DBA-FA3B-4C5F-B700-4671668DAB72}" type="datetimeFigureOut">
               <a:rPr lang="fr-FR" smtClean="0"/>
-              <a:t>18/03/2025</a:t>
+              <a:t>08/04/2025</a:t>
             </a:fld>
             <a:endParaRPr lang="fr-FR"/>
           </a:p>
@@ -598,7 +598,7 @@
           <a:p>
             <a:fld id="{33E46DBA-FA3B-4C5F-B700-4671668DAB72}" type="datetimeFigureOut">
               <a:rPr lang="fr-FR" smtClean="0"/>
-              <a:t>18/03/2025</a:t>
+              <a:t>08/04/2025</a:t>
             </a:fld>
             <a:endParaRPr lang="fr-FR"/>
           </a:p>
@@ -768,7 +768,7 @@
           <a:p>
             <a:fld id="{33E46DBA-FA3B-4C5F-B700-4671668DAB72}" type="datetimeFigureOut">
               <a:rPr lang="fr-FR" smtClean="0"/>
-              <a:t>18/03/2025</a:t>
+              <a:t>08/04/2025</a:t>
             </a:fld>
             <a:endParaRPr lang="fr-FR"/>
           </a:p>
@@ -1014,7 +1014,7 @@
           <a:p>
             <a:fld id="{33E46DBA-FA3B-4C5F-B700-4671668DAB72}" type="datetimeFigureOut">
               <a:rPr lang="fr-FR" smtClean="0"/>
-              <a:t>18/03/2025</a:t>
+              <a:t>08/04/2025</a:t>
             </a:fld>
             <a:endParaRPr lang="fr-FR"/>
           </a:p>
@@ -1246,7 +1246,7 @@
           <a:p>
             <a:fld id="{33E46DBA-FA3B-4C5F-B700-4671668DAB72}" type="datetimeFigureOut">
               <a:rPr lang="fr-FR" smtClean="0"/>
-              <a:t>18/03/2025</a:t>
+              <a:t>08/04/2025</a:t>
             </a:fld>
             <a:endParaRPr lang="fr-FR"/>
           </a:p>
@@ -1613,7 +1613,7 @@
           <a:p>
             <a:fld id="{33E46DBA-FA3B-4C5F-B700-4671668DAB72}" type="datetimeFigureOut">
               <a:rPr lang="fr-FR" smtClean="0"/>
-              <a:t>18/03/2025</a:t>
+              <a:t>08/04/2025</a:t>
             </a:fld>
             <a:endParaRPr lang="fr-FR"/>
           </a:p>
@@ -1731,7 +1731,7 @@
           <a:p>
             <a:fld id="{33E46DBA-FA3B-4C5F-B700-4671668DAB72}" type="datetimeFigureOut">
               <a:rPr lang="fr-FR" smtClean="0"/>
-              <a:t>18/03/2025</a:t>
+              <a:t>08/04/2025</a:t>
             </a:fld>
             <a:endParaRPr lang="fr-FR"/>
           </a:p>
@@ -1826,7 +1826,7 @@
           <a:p>
             <a:fld id="{33E46DBA-FA3B-4C5F-B700-4671668DAB72}" type="datetimeFigureOut">
               <a:rPr lang="fr-FR" smtClean="0"/>
-              <a:t>18/03/2025</a:t>
+              <a:t>08/04/2025</a:t>
             </a:fld>
             <a:endParaRPr lang="fr-FR"/>
           </a:p>
@@ -2103,7 +2103,7 @@
           <a:p>
             <a:fld id="{33E46DBA-FA3B-4C5F-B700-4671668DAB72}" type="datetimeFigureOut">
               <a:rPr lang="fr-FR" smtClean="0"/>
-              <a:t>18/03/2025</a:t>
+              <a:t>08/04/2025</a:t>
             </a:fld>
             <a:endParaRPr lang="fr-FR"/>
           </a:p>
@@ -2356,7 +2356,7 @@
           <a:p>
             <a:fld id="{33E46DBA-FA3B-4C5F-B700-4671668DAB72}" type="datetimeFigureOut">
               <a:rPr lang="fr-FR" smtClean="0"/>
-              <a:t>18/03/2025</a:t>
+              <a:t>08/04/2025</a:t>
             </a:fld>
             <a:endParaRPr lang="fr-FR"/>
           </a:p>
@@ -2569,7 +2569,7 @@
           <a:p>
             <a:fld id="{33E46DBA-FA3B-4C5F-B700-4671668DAB72}" type="datetimeFigureOut">
               <a:rPr lang="fr-FR" smtClean="0"/>
-              <a:t>18/03/2025</a:t>
+              <a:t>08/04/2025</a:t>
             </a:fld>
             <a:endParaRPr lang="fr-FR"/>
           </a:p>
@@ -3018,7 +3018,7 @@
           <p:cNvPr id="6" name="Rectangle : coins arrondis 12">
             <a:extLst>
               <a:ext uri="{FF2B5EF4-FFF2-40B4-BE49-F238E27FC236}">
-                <a16:creationId xmlns="" xmlns:a16="http://schemas.microsoft.com/office/drawing/2014/main" id="{2A52F28A-4066-7F20-F61B-78B99AF33888}"/>
+                <a16:creationId xmlns:a16="http://schemas.microsoft.com/office/drawing/2014/main" xmlns="" id="{2A52F28A-4066-7F20-F61B-78B99AF33888}"/>
               </a:ext>
             </a:extLst>
           </p:cNvPr>
@@ -3190,7 +3190,7 @@
           <p:cNvPr id="6" name="Rectangle : coins arrondis 12">
             <a:extLst>
               <a:ext uri="{FF2B5EF4-FFF2-40B4-BE49-F238E27FC236}">
-                <a16:creationId xmlns="" xmlns:a16="http://schemas.microsoft.com/office/drawing/2014/main" id="{2A52F28A-4066-7F20-F61B-78B99AF33888}"/>
+                <a16:creationId xmlns:a16="http://schemas.microsoft.com/office/drawing/2014/main" xmlns="" id="{2A52F28A-4066-7F20-F61B-78B99AF33888}"/>
               </a:ext>
             </a:extLst>
           </p:cNvPr>
@@ -3379,7 +3379,7 @@
           <p:cNvPr id="11" name="Rectangle 8">
             <a:extLst>
               <a:ext uri="{FF2B5EF4-FFF2-40B4-BE49-F238E27FC236}">
-                <a16:creationId xmlns="" xmlns:a16="http://schemas.microsoft.com/office/drawing/2014/main" id="{31EC9893-997B-FAF1-44A7-86DC576C44E1}"/>
+                <a16:creationId xmlns:a16="http://schemas.microsoft.com/office/drawing/2014/main" xmlns="" id="{31EC9893-997B-FAF1-44A7-86DC576C44E1}"/>
               </a:ext>
             </a:extLst>
           </p:cNvPr>
@@ -3817,7 +3817,7 @@
           <p:cNvPr id="12" name="ZoneTexte 11">
             <a:extLst>
               <a:ext uri="{FF2B5EF4-FFF2-40B4-BE49-F238E27FC236}">
-                <a16:creationId xmlns="" xmlns:a16="http://schemas.microsoft.com/office/drawing/2014/main" id="{0B494AC6-9B2E-422F-B16A-015D6B0BA580}"/>
+                <a16:creationId xmlns:a16="http://schemas.microsoft.com/office/drawing/2014/main" xmlns="" id="{0B494AC6-9B2E-422F-B16A-015D6B0BA580}"/>
               </a:ext>
             </a:extLst>
           </p:cNvPr>
@@ -3876,7 +3876,7 @@
           <p:cNvPr id="13" name="Rectangle 9">
             <a:extLst>
               <a:ext uri="{FF2B5EF4-FFF2-40B4-BE49-F238E27FC236}">
-                <a16:creationId xmlns="" xmlns:a16="http://schemas.microsoft.com/office/drawing/2014/main" id="{894EDA96-9226-5939-95FB-4A21ACC79E4A}"/>
+                <a16:creationId xmlns:a16="http://schemas.microsoft.com/office/drawing/2014/main" xmlns="" id="{894EDA96-9226-5939-95FB-4A21ACC79E4A}"/>
               </a:ext>
             </a:extLst>
           </p:cNvPr>
@@ -3936,7 +3936,7 @@
           <p:nvPr/>
         </p:nvPicPr>
         <p:blipFill>
-          <a:blip r:embed="rId2"/>
+          <a:blip r:embed="rId3"/>
           <a:stretch>
             <a:fillRect/>
           </a:stretch>
@@ -3961,6 +3961,28 @@
   <p:clrMapOvr>
     <a:masterClrMapping/>
   </p:clrMapOvr>
+  <mc:AlternateContent xmlns:mc="http://schemas.openxmlformats.org/markup-compatibility/2006">
+    <mc:Choice xmlns:p14="http://schemas.microsoft.com/office/powerpoint/2010/main" Requires="p14">
+      <p:transition spd="slow" p14:dur="1250">
+        <p:circle/>
+        <p:sndAc>
+          <p:stSnd>
+            <p:snd r:embed="rId2" name="suction.wav"/>
+          </p:stSnd>
+        </p:sndAc>
+      </p:transition>
+    </mc:Choice>
+    <mc:Fallback>
+      <p:transition spd="slow">
+        <p:circle/>
+        <p:sndAc>
+          <p:stSnd>
+            <p:snd r:embed="rId2" name="suction.wav"/>
+          </p:stSnd>
+        </p:sndAc>
+      </p:transition>
+    </mc:Fallback>
+  </mc:AlternateContent>
   <p:timing>
     <p:tnLst>
       <p:par>
@@ -3993,7 +4015,7 @@
           <p:cNvPr id="11" name="Rectangle 8">
             <a:extLst>
               <a:ext uri="{FF2B5EF4-FFF2-40B4-BE49-F238E27FC236}">
-                <a16:creationId xmlns="" xmlns:a16="http://schemas.microsoft.com/office/drawing/2014/main" id="{31EC9893-997B-FAF1-44A7-86DC576C44E1}"/>
+                <a16:creationId xmlns:a16="http://schemas.microsoft.com/office/drawing/2014/main" xmlns="" id="{31EC9893-997B-FAF1-44A7-86DC576C44E1}"/>
               </a:ext>
             </a:extLst>
           </p:cNvPr>
@@ -4391,7 +4413,7 @@
           <p:cNvPr id="13" name="Rectangle 9">
             <a:extLst>
               <a:ext uri="{FF2B5EF4-FFF2-40B4-BE49-F238E27FC236}">
-                <a16:creationId xmlns="" xmlns:a16="http://schemas.microsoft.com/office/drawing/2014/main" id="{894EDA96-9226-5939-95FB-4A21ACC79E4A}"/>
+                <a16:creationId xmlns:a16="http://schemas.microsoft.com/office/drawing/2014/main" xmlns="" id="{894EDA96-9226-5939-95FB-4A21ACC79E4A}"/>
               </a:ext>
             </a:extLst>
           </p:cNvPr>
@@ -5321,7 +5343,7 @@
         <p:spPr>
           <a:xfrm>
             <a:off x="188686" y="918711"/>
-            <a:ext cx="11698515" cy="4652236"/>
+            <a:ext cx="11698515" cy="3364062"/>
           </a:xfrm>
           <a:prstGeom prst="rect">
             <a:avLst/>
@@ -5495,91 +5517,25 @@
                 <a:ea typeface="Calibri" panose="020F0502020204030204" pitchFamily="34" charset="0"/>
                 <a:cs typeface="+mj-cs"/>
               </a:rPr>
-              <a:t>4.	ماذا تلاحظ ؟</a:t>
-            </a:r>
-          </a:p>
-          <a:p>
-            <a:pPr lvl="0" algn="r" rtl="1">
-              <a:lnSpc>
-                <a:spcPct val="107000"/>
-              </a:lnSpc>
-              <a:spcAft>
-                <a:spcPts val="800"/>
-              </a:spcAft>
-            </a:pPr>
-            <a:r>
-              <a:rPr lang="ar-DZ" sz="3600" dirty="0">
+              <a:t>4.	ماذا </a:t>
+            </a:r>
+            <a:r>
+              <a:rPr lang="ar-DZ" sz="3600">
                 <a:latin typeface="Calibri" panose="020F0502020204030204" pitchFamily="34" charset="0"/>
                 <a:ea typeface="Calibri" panose="020F0502020204030204" pitchFamily="34" charset="0"/>
                 <a:cs typeface="+mj-cs"/>
               </a:rPr>
-              <a:t>5.	ما دور </a:t>
-            </a:r>
-            <a:r>
-              <a:rPr lang="ar-DZ" sz="3600" dirty="0" smtClean="0">
+              <a:t>تلاحظ </a:t>
+            </a:r>
+            <a:r>
+              <a:rPr lang="ar-DZ" sz="3600" smtClean="0">
                 <a:latin typeface="Calibri" panose="020F0502020204030204" pitchFamily="34" charset="0"/>
                 <a:ea typeface="Calibri" panose="020F0502020204030204" pitchFamily="34" charset="0"/>
                 <a:cs typeface="+mj-cs"/>
               </a:rPr>
-              <a:t>التعليمة</a:t>
-            </a:r>
-            <a:r>
-              <a:rPr lang="fr-FR" sz="3600" dirty="0" smtClean="0">
-                <a:latin typeface="Calibri" panose="020F0502020204030204" pitchFamily="34" charset="0"/>
-                <a:ea typeface="Calibri" panose="020F0502020204030204" pitchFamily="34" charset="0"/>
-                <a:cs typeface="+mj-cs"/>
-              </a:rPr>
-              <a:t>Appliquer </a:t>
-            </a:r>
-            <a:r>
-              <a:rPr lang="fr-FR" sz="3600" dirty="0">
-                <a:latin typeface="Calibri" panose="020F0502020204030204" pitchFamily="34" charset="0"/>
-                <a:ea typeface="Calibri" panose="020F0502020204030204" pitchFamily="34" charset="0"/>
-                <a:cs typeface="+mj-cs"/>
-              </a:rPr>
-              <a:t>partout </a:t>
-            </a:r>
-            <a:r>
-              <a:rPr lang="ar-DZ" sz="3600" dirty="0" smtClean="0">
-                <a:latin typeface="Calibri" panose="020F0502020204030204" pitchFamily="34" charset="0"/>
-                <a:ea typeface="Calibri" panose="020F0502020204030204" pitchFamily="34" charset="0"/>
-                <a:cs typeface="+mj-cs"/>
-              </a:rPr>
-              <a:t> الموجودة </a:t>
-            </a:r>
-            <a:r>
-              <a:rPr lang="ar-DZ" sz="3600" dirty="0">
-                <a:latin typeface="Calibri" panose="020F0502020204030204" pitchFamily="34" charset="0"/>
-                <a:ea typeface="Calibri" panose="020F0502020204030204" pitchFamily="34" charset="0"/>
-                <a:cs typeface="+mj-cs"/>
-              </a:rPr>
-              <a:t>في المجموعة </a:t>
-            </a:r>
-            <a:r>
-              <a:rPr lang="fr-FR" sz="3600" dirty="0">
-                <a:latin typeface="Calibri" panose="020F0502020204030204" pitchFamily="34" charset="0"/>
-                <a:ea typeface="Calibri" panose="020F0502020204030204" pitchFamily="34" charset="0"/>
-                <a:cs typeface="+mj-cs"/>
-              </a:rPr>
-              <a:t>Minutage </a:t>
-            </a:r>
-            <a:r>
-              <a:rPr lang="ar-DZ" sz="3600" dirty="0" smtClean="0">
-                <a:latin typeface="Calibri" panose="020F0502020204030204" pitchFamily="34" charset="0"/>
-                <a:ea typeface="Calibri" panose="020F0502020204030204" pitchFamily="34" charset="0"/>
-                <a:cs typeface="+mj-cs"/>
-              </a:rPr>
-              <a:t> </a:t>
-            </a:r>
-            <a:r>
-              <a:rPr lang="fr-FR" sz="3600" dirty="0" smtClean="0">
-                <a:latin typeface="Calibri" panose="020F0502020204030204" pitchFamily="34" charset="0"/>
-                <a:ea typeface="Calibri" panose="020F0502020204030204" pitchFamily="34" charset="0"/>
-                <a:cs typeface="+mj-cs"/>
-              </a:rPr>
               <a:t>؟</a:t>
             </a:r>
-            <a:endParaRPr lang="fr-FR" sz="3600" dirty="0">
+            <a:endParaRPr lang="ar-DZ" sz="3600" dirty="0">
               <a:latin typeface="Calibri" panose="020F0502020204030204" pitchFamily="34" charset="0"/>
               <a:ea typeface="Calibri" panose="020F0502020204030204" pitchFamily="34" charset="0"/>
               <a:cs typeface="+mj-cs"/>
